--- a/Book Launch.pptx
+++ b/Book Launch.pptx
@@ -118,7 +118,7 @@
 <file path=ppt/revisionInfo.xml><?xml version="1.0" encoding="utf-8"?>
 <p1510:revInfo xmlns:a="http://schemas.openxmlformats.org/drawingml/2006/main" xmlns:r="http://schemas.openxmlformats.org/officeDocument/2006/relationships" xmlns:p1510="http://schemas.microsoft.com/office/powerpoint/2015/10/main">
   <p1510:revLst>
-    <p1510:client id="{1B30B40A-0355-4755-9C3A-379F0D4092F3}" v="1" dt="2024-06-19T12:48:42.039"/>
+    <p1510:client id="{1B30B40A-0355-4755-9C3A-379F0D4092F3}" v="6" dt="2024-06-19T21:03:44.299"/>
   </p1510:revLst>
 </p1510:revInfo>
 </file>
@@ -127,46 +127,86 @@
 <pc:chgInfo xmlns:a="http://schemas.openxmlformats.org/drawingml/2006/main" xmlns:r="http://schemas.openxmlformats.org/officeDocument/2006/relationships" xmlns:ac="http://schemas.microsoft.com/office/drawing/2013/main/command" xmlns:pc="http://schemas.microsoft.com/office/powerpoint/2013/main/command">
   <pc:docChgLst>
     <pc:chgData name="Martin Schweinberger" userId="534fcb08-caff-4996-b3a3-69879a10eae4" providerId="ADAL" clId="{1B30B40A-0355-4755-9C3A-379F0D4092F3}"/>
-    <pc:docChg chg="custSel addSld modSld">
-      <pc:chgData name="Martin Schweinberger" userId="534fcb08-caff-4996-b3a3-69879a10eae4" providerId="ADAL" clId="{1B30B40A-0355-4755-9C3A-379F0D4092F3}" dt="2024-06-19T12:54:23.198" v="899" actId="403"/>
+    <pc:docChg chg="undo custSel addSld modSld">
+      <pc:chgData name="Martin Schweinberger" userId="534fcb08-caff-4996-b3a3-69879a10eae4" providerId="ADAL" clId="{1B30B40A-0355-4755-9C3A-379F0D4092F3}" dt="2024-06-19T21:03:44.911" v="951" actId="478"/>
       <pc:docMkLst>
         <pc:docMk/>
       </pc:docMkLst>
-      <pc:sldChg chg="modSp mod">
-        <pc:chgData name="Martin Schweinberger" userId="534fcb08-caff-4996-b3a3-69879a10eae4" providerId="ADAL" clId="{1B30B40A-0355-4755-9C3A-379F0D4092F3}" dt="2024-06-19T12:54:23.198" v="899" actId="403"/>
+      <pc:sldChg chg="addSp delSp modSp mod">
+        <pc:chgData name="Martin Schweinberger" userId="534fcb08-caff-4996-b3a3-69879a10eae4" providerId="ADAL" clId="{1B30B40A-0355-4755-9C3A-379F0D4092F3}" dt="2024-06-19T21:03:44.911" v="951" actId="478"/>
         <pc:sldMkLst>
           <pc:docMk/>
           <pc:sldMk cId="3600602336" sldId="256"/>
         </pc:sldMkLst>
         <pc:spChg chg="mod">
-          <ac:chgData name="Martin Schweinberger" userId="534fcb08-caff-4996-b3a3-69879a10eae4" providerId="ADAL" clId="{1B30B40A-0355-4755-9C3A-379F0D4092F3}" dt="2024-06-19T12:54:23.198" v="899" actId="403"/>
+          <ac:chgData name="Martin Schweinberger" userId="534fcb08-caff-4996-b3a3-69879a10eae4" providerId="ADAL" clId="{1B30B40A-0355-4755-9C3A-379F0D4092F3}" dt="2024-06-19T20:59:48.696" v="935" actId="14100"/>
           <ac:spMkLst>
             <pc:docMk/>
             <pc:sldMk cId="3600602336" sldId="256"/>
             <ac:spMk id="2" creationId="{129D8C8A-1D8C-674A-A660-F6EA2606934E}"/>
           </ac:spMkLst>
         </pc:spChg>
+        <pc:picChg chg="add mod">
+          <ac:chgData name="Martin Schweinberger" userId="534fcb08-caff-4996-b3a3-69879a10eae4" providerId="ADAL" clId="{1B30B40A-0355-4755-9C3A-379F0D4092F3}" dt="2024-06-19T21:03:09.380" v="948"/>
+          <ac:picMkLst>
+            <pc:docMk/>
+            <pc:sldMk cId="3600602336" sldId="256"/>
+            <ac:picMk id="3" creationId="{186DC871-5805-AFE0-F3BA-F653DCB5CD37}"/>
+          </ac:picMkLst>
+        </pc:picChg>
+        <pc:picChg chg="add mod">
+          <ac:chgData name="Martin Schweinberger" userId="534fcb08-caff-4996-b3a3-69879a10eae4" providerId="ADAL" clId="{1B30B40A-0355-4755-9C3A-379F0D4092F3}" dt="2024-06-19T21:03:26.897" v="950"/>
+          <ac:picMkLst>
+            <pc:docMk/>
+            <pc:sldMk cId="3600602336" sldId="256"/>
+            <ac:picMk id="4" creationId="{FA680B04-2AC0-6BF2-3A61-5C50167CABA7}"/>
+          </ac:picMkLst>
+        </pc:picChg>
+        <pc:picChg chg="add del">
+          <ac:chgData name="Martin Schweinberger" userId="534fcb08-caff-4996-b3a3-69879a10eae4" providerId="ADAL" clId="{1B30B40A-0355-4755-9C3A-379F0D4092F3}" dt="2024-06-19T21:03:44.911" v="951" actId="478"/>
+          <ac:picMkLst>
+            <pc:docMk/>
+            <pc:sldMk cId="3600602336" sldId="256"/>
+            <ac:picMk id="5" creationId="{47A6575F-0FB6-B0AA-00DE-B8B7C37E24D0}"/>
+          </ac:picMkLst>
+        </pc:picChg>
       </pc:sldChg>
-      <pc:sldChg chg="modSp mod">
-        <pc:chgData name="Martin Schweinberger" userId="534fcb08-caff-4996-b3a3-69879a10eae4" providerId="ADAL" clId="{1B30B40A-0355-4755-9C3A-379F0D4092F3}" dt="2024-06-19T12:48:26.854" v="794" actId="1035"/>
+      <pc:sldChg chg="addSp delSp modSp mod">
+        <pc:chgData name="Martin Schweinberger" userId="534fcb08-caff-4996-b3a3-69879a10eae4" providerId="ADAL" clId="{1B30B40A-0355-4755-9C3A-379F0D4092F3}" dt="2024-06-19T21:02:31.314" v="947" actId="14100"/>
         <pc:sldMkLst>
           <pc:docMk/>
           <pc:sldMk cId="1105699532" sldId="258"/>
         </pc:sldMkLst>
         <pc:spChg chg="mod">
-          <ac:chgData name="Martin Schweinberger" userId="534fcb08-caff-4996-b3a3-69879a10eae4" providerId="ADAL" clId="{1B30B40A-0355-4755-9C3A-379F0D4092F3}" dt="2024-06-19T12:48:26.854" v="794" actId="1035"/>
+          <ac:chgData name="Martin Schweinberger" userId="534fcb08-caff-4996-b3a3-69879a10eae4" providerId="ADAL" clId="{1B30B40A-0355-4755-9C3A-379F0D4092F3}" dt="2024-06-19T21:01:00.904" v="941" actId="20577"/>
           <ac:spMkLst>
             <pc:docMk/>
             <pc:sldMk cId="1105699532" sldId="258"/>
             <ac:spMk id="7" creationId="{CCC0866D-8F11-8508-E834-7B483AC83851}"/>
           </ac:spMkLst>
         </pc:spChg>
+        <pc:picChg chg="add mod">
+          <ac:chgData name="Martin Schweinberger" userId="534fcb08-caff-4996-b3a3-69879a10eae4" providerId="ADAL" clId="{1B30B40A-0355-4755-9C3A-379F0D4092F3}" dt="2024-06-19T21:02:31.314" v="947" actId="14100"/>
+          <ac:picMkLst>
+            <pc:docMk/>
+            <pc:sldMk cId="1105699532" sldId="258"/>
+            <ac:picMk id="3" creationId="{CB2CE881-B8DB-82CB-1A62-E736C0F27EFB}"/>
+          </ac:picMkLst>
+        </pc:picChg>
         <pc:picChg chg="mod">
           <ac:chgData name="Martin Schweinberger" userId="534fcb08-caff-4996-b3a3-69879a10eae4" providerId="ADAL" clId="{1B30B40A-0355-4755-9C3A-379F0D4092F3}" dt="2024-06-19T12:39:00.751" v="18" actId="29295"/>
           <ac:picMkLst>
             <pc:docMk/>
             <pc:sldMk cId="1105699532" sldId="258"/>
             <ac:picMk id="5" creationId="{8FB23367-482D-B42D-0C32-2E89BAFCE01D}"/>
+          </ac:picMkLst>
+        </pc:picChg>
+        <pc:picChg chg="del">
+          <ac:chgData name="Martin Schweinberger" userId="534fcb08-caff-4996-b3a3-69879a10eae4" providerId="ADAL" clId="{1B30B40A-0355-4755-9C3A-379F0D4092F3}" dt="2024-06-19T21:02:15.677" v="942" actId="478"/>
+          <ac:picMkLst>
+            <pc:docMk/>
+            <pc:sldMk cId="1105699532" sldId="258"/>
+            <ac:picMk id="6" creationId="{5A72DEB0-1AD3-86B0-287F-0AA8078FD375}"/>
           </ac:picMkLst>
         </pc:picChg>
       </pc:sldChg>
@@ -236,7 +276,7 @@
           <p:cNvPr id="2" name="Title 1">
             <a:extLst>
               <a:ext uri="{FF2B5EF4-FFF2-40B4-BE49-F238E27FC236}">
-                <a16:creationId xmlns:a16="http://schemas.microsoft.com/office/drawing/2014/main" xmlns="" id="{CD0F1ACA-BF1E-2848-001E-7634DE922C7B}"/>
+                <a16:creationId xmlns:a16="http://schemas.microsoft.com/office/drawing/2014/main" id="{CD0F1ACA-BF1E-2848-001E-7634DE922C7B}"/>
               </a:ext>
             </a:extLst>
           </p:cNvPr>
@@ -274,7 +314,7 @@
           <p:cNvPr id="3" name="Subtitle 2">
             <a:extLst>
               <a:ext uri="{FF2B5EF4-FFF2-40B4-BE49-F238E27FC236}">
-                <a16:creationId xmlns:a16="http://schemas.microsoft.com/office/drawing/2014/main" xmlns="" id="{C76E186D-FA49-0854-DCC3-783B289BF23F}"/>
+                <a16:creationId xmlns:a16="http://schemas.microsoft.com/office/drawing/2014/main" id="{C76E186D-FA49-0854-DCC3-783B289BF23F}"/>
               </a:ext>
             </a:extLst>
           </p:cNvPr>
@@ -345,7 +385,7 @@
           <p:cNvPr id="4" name="Date Placeholder 3">
             <a:extLst>
               <a:ext uri="{FF2B5EF4-FFF2-40B4-BE49-F238E27FC236}">
-                <a16:creationId xmlns:a16="http://schemas.microsoft.com/office/drawing/2014/main" xmlns="" id="{5DC2210E-2F18-4B42-01E8-32343AC675B1}"/>
+                <a16:creationId xmlns:a16="http://schemas.microsoft.com/office/drawing/2014/main" id="{5DC2210E-2F18-4B42-01E8-32343AC675B1}"/>
               </a:ext>
             </a:extLst>
           </p:cNvPr>
@@ -363,7 +403,7 @@
           <a:p>
             <a:fld id="{D7AE8100-26E9-4F98-8942-C68DDE2438D8}" type="datetimeFigureOut">
               <a:rPr lang="en-AU" smtClean="0"/>
-              <a:t>19/6/2024</a:t>
+              <a:t>20/06/2024</a:t>
             </a:fld>
             <a:endParaRPr lang="en-AU"/>
           </a:p>
@@ -374,7 +414,7 @@
           <p:cNvPr id="5" name="Footer Placeholder 4">
             <a:extLst>
               <a:ext uri="{FF2B5EF4-FFF2-40B4-BE49-F238E27FC236}">
-                <a16:creationId xmlns:a16="http://schemas.microsoft.com/office/drawing/2014/main" xmlns="" id="{F98EF335-420B-4B33-B899-CE5349922F8D}"/>
+                <a16:creationId xmlns:a16="http://schemas.microsoft.com/office/drawing/2014/main" id="{F98EF335-420B-4B33-B899-CE5349922F8D}"/>
               </a:ext>
             </a:extLst>
           </p:cNvPr>
@@ -399,7 +439,7 @@
           <p:cNvPr id="6" name="Slide Number Placeholder 5">
             <a:extLst>
               <a:ext uri="{FF2B5EF4-FFF2-40B4-BE49-F238E27FC236}">
-                <a16:creationId xmlns:a16="http://schemas.microsoft.com/office/drawing/2014/main" xmlns="" id="{FEC9AE07-0B22-250B-2126-C9002C7E3328}"/>
+                <a16:creationId xmlns:a16="http://schemas.microsoft.com/office/drawing/2014/main" id="{FEC9AE07-0B22-250B-2126-C9002C7E3328}"/>
               </a:ext>
             </a:extLst>
           </p:cNvPr>
@@ -458,7 +498,7 @@
           <p:cNvPr id="2" name="Title 1">
             <a:extLst>
               <a:ext uri="{FF2B5EF4-FFF2-40B4-BE49-F238E27FC236}">
-                <a16:creationId xmlns:a16="http://schemas.microsoft.com/office/drawing/2014/main" xmlns="" id="{CF2EB887-35C2-7C60-9DB2-815CBD3C4159}"/>
+                <a16:creationId xmlns:a16="http://schemas.microsoft.com/office/drawing/2014/main" id="{CF2EB887-35C2-7C60-9DB2-815CBD3C4159}"/>
               </a:ext>
             </a:extLst>
           </p:cNvPr>
@@ -487,7 +527,7 @@
           <p:cNvPr id="3" name="Vertical Text Placeholder 2">
             <a:extLst>
               <a:ext uri="{FF2B5EF4-FFF2-40B4-BE49-F238E27FC236}">
-                <a16:creationId xmlns:a16="http://schemas.microsoft.com/office/drawing/2014/main" xmlns="" id="{B88C81D1-FBF0-6254-FCC3-409C24CD7411}"/>
+                <a16:creationId xmlns:a16="http://schemas.microsoft.com/office/drawing/2014/main" id="{B88C81D1-FBF0-6254-FCC3-409C24CD7411}"/>
               </a:ext>
             </a:extLst>
           </p:cNvPr>
@@ -545,7 +585,7 @@
           <p:cNvPr id="4" name="Date Placeholder 3">
             <a:extLst>
               <a:ext uri="{FF2B5EF4-FFF2-40B4-BE49-F238E27FC236}">
-                <a16:creationId xmlns:a16="http://schemas.microsoft.com/office/drawing/2014/main" xmlns="" id="{0FB4E5C4-3665-A158-CDBF-477D205A322E}"/>
+                <a16:creationId xmlns:a16="http://schemas.microsoft.com/office/drawing/2014/main" id="{0FB4E5C4-3665-A158-CDBF-477D205A322E}"/>
               </a:ext>
             </a:extLst>
           </p:cNvPr>
@@ -563,7 +603,7 @@
           <a:p>
             <a:fld id="{D7AE8100-26E9-4F98-8942-C68DDE2438D8}" type="datetimeFigureOut">
               <a:rPr lang="en-AU" smtClean="0"/>
-              <a:t>19/6/2024</a:t>
+              <a:t>20/06/2024</a:t>
             </a:fld>
             <a:endParaRPr lang="en-AU"/>
           </a:p>
@@ -574,7 +614,7 @@
           <p:cNvPr id="5" name="Footer Placeholder 4">
             <a:extLst>
               <a:ext uri="{FF2B5EF4-FFF2-40B4-BE49-F238E27FC236}">
-                <a16:creationId xmlns:a16="http://schemas.microsoft.com/office/drawing/2014/main" xmlns="" id="{13544B09-FBE2-8179-DC35-DD81809D80BC}"/>
+                <a16:creationId xmlns:a16="http://schemas.microsoft.com/office/drawing/2014/main" id="{13544B09-FBE2-8179-DC35-DD81809D80BC}"/>
               </a:ext>
             </a:extLst>
           </p:cNvPr>
@@ -599,7 +639,7 @@
           <p:cNvPr id="6" name="Slide Number Placeholder 5">
             <a:extLst>
               <a:ext uri="{FF2B5EF4-FFF2-40B4-BE49-F238E27FC236}">
-                <a16:creationId xmlns:a16="http://schemas.microsoft.com/office/drawing/2014/main" xmlns="" id="{4E2C9082-C069-E050-F19B-D22AF9467E04}"/>
+                <a16:creationId xmlns:a16="http://schemas.microsoft.com/office/drawing/2014/main" id="{4E2C9082-C069-E050-F19B-D22AF9467E04}"/>
               </a:ext>
             </a:extLst>
           </p:cNvPr>
@@ -658,7 +698,7 @@
           <p:cNvPr id="2" name="Vertical Title 1">
             <a:extLst>
               <a:ext uri="{FF2B5EF4-FFF2-40B4-BE49-F238E27FC236}">
-                <a16:creationId xmlns:a16="http://schemas.microsoft.com/office/drawing/2014/main" xmlns="" id="{94B56211-489B-6582-76A1-475E155AE4AB}"/>
+                <a16:creationId xmlns:a16="http://schemas.microsoft.com/office/drawing/2014/main" id="{94B56211-489B-6582-76A1-475E155AE4AB}"/>
               </a:ext>
             </a:extLst>
           </p:cNvPr>
@@ -692,7 +732,7 @@
           <p:cNvPr id="3" name="Vertical Text Placeholder 2">
             <a:extLst>
               <a:ext uri="{FF2B5EF4-FFF2-40B4-BE49-F238E27FC236}">
-                <a16:creationId xmlns:a16="http://schemas.microsoft.com/office/drawing/2014/main" xmlns="" id="{F6E8C748-3769-FB58-4609-12D84A89E1DD}"/>
+                <a16:creationId xmlns:a16="http://schemas.microsoft.com/office/drawing/2014/main" id="{F6E8C748-3769-FB58-4609-12D84A89E1DD}"/>
               </a:ext>
             </a:extLst>
           </p:cNvPr>
@@ -755,7 +795,7 @@
           <p:cNvPr id="4" name="Date Placeholder 3">
             <a:extLst>
               <a:ext uri="{FF2B5EF4-FFF2-40B4-BE49-F238E27FC236}">
-                <a16:creationId xmlns:a16="http://schemas.microsoft.com/office/drawing/2014/main" xmlns="" id="{3EB9030A-0F08-AF62-1AEF-B70269C724DD}"/>
+                <a16:creationId xmlns:a16="http://schemas.microsoft.com/office/drawing/2014/main" id="{3EB9030A-0F08-AF62-1AEF-B70269C724DD}"/>
               </a:ext>
             </a:extLst>
           </p:cNvPr>
@@ -773,7 +813,7 @@
           <a:p>
             <a:fld id="{D7AE8100-26E9-4F98-8942-C68DDE2438D8}" type="datetimeFigureOut">
               <a:rPr lang="en-AU" smtClean="0"/>
-              <a:t>19/6/2024</a:t>
+              <a:t>20/06/2024</a:t>
             </a:fld>
             <a:endParaRPr lang="en-AU"/>
           </a:p>
@@ -784,7 +824,7 @@
           <p:cNvPr id="5" name="Footer Placeholder 4">
             <a:extLst>
               <a:ext uri="{FF2B5EF4-FFF2-40B4-BE49-F238E27FC236}">
-                <a16:creationId xmlns:a16="http://schemas.microsoft.com/office/drawing/2014/main" xmlns="" id="{9DD1461C-6752-FDA6-1FB1-CF602B901BEB}"/>
+                <a16:creationId xmlns:a16="http://schemas.microsoft.com/office/drawing/2014/main" id="{9DD1461C-6752-FDA6-1FB1-CF602B901BEB}"/>
               </a:ext>
             </a:extLst>
           </p:cNvPr>
@@ -809,7 +849,7 @@
           <p:cNvPr id="6" name="Slide Number Placeholder 5">
             <a:extLst>
               <a:ext uri="{FF2B5EF4-FFF2-40B4-BE49-F238E27FC236}">
-                <a16:creationId xmlns:a16="http://schemas.microsoft.com/office/drawing/2014/main" xmlns="" id="{64E2929E-8DC3-6CE2-67FE-20F5596BDFA6}"/>
+                <a16:creationId xmlns:a16="http://schemas.microsoft.com/office/drawing/2014/main" id="{64E2929E-8DC3-6CE2-67FE-20F5596BDFA6}"/>
               </a:ext>
             </a:extLst>
           </p:cNvPr>
@@ -868,7 +908,7 @@
           <p:cNvPr id="2" name="Title 1">
             <a:extLst>
               <a:ext uri="{FF2B5EF4-FFF2-40B4-BE49-F238E27FC236}">
-                <a16:creationId xmlns:a16="http://schemas.microsoft.com/office/drawing/2014/main" xmlns="" id="{057AC6F5-5735-1E62-69CF-C1A735CB6338}"/>
+                <a16:creationId xmlns:a16="http://schemas.microsoft.com/office/drawing/2014/main" id="{057AC6F5-5735-1E62-69CF-C1A735CB6338}"/>
               </a:ext>
             </a:extLst>
           </p:cNvPr>
@@ -897,7 +937,7 @@
           <p:cNvPr id="3" name="Content Placeholder 2">
             <a:extLst>
               <a:ext uri="{FF2B5EF4-FFF2-40B4-BE49-F238E27FC236}">
-                <a16:creationId xmlns:a16="http://schemas.microsoft.com/office/drawing/2014/main" xmlns="" id="{3050F4C5-F69F-6D61-258D-2FB612A3F264}"/>
+                <a16:creationId xmlns:a16="http://schemas.microsoft.com/office/drawing/2014/main" id="{3050F4C5-F69F-6D61-258D-2FB612A3F264}"/>
               </a:ext>
             </a:extLst>
           </p:cNvPr>
@@ -955,7 +995,7 @@
           <p:cNvPr id="4" name="Date Placeholder 3">
             <a:extLst>
               <a:ext uri="{FF2B5EF4-FFF2-40B4-BE49-F238E27FC236}">
-                <a16:creationId xmlns:a16="http://schemas.microsoft.com/office/drawing/2014/main" xmlns="" id="{C27043B0-4B20-3731-1B4B-DC9C831AF2D0}"/>
+                <a16:creationId xmlns:a16="http://schemas.microsoft.com/office/drawing/2014/main" id="{C27043B0-4B20-3731-1B4B-DC9C831AF2D0}"/>
               </a:ext>
             </a:extLst>
           </p:cNvPr>
@@ -973,7 +1013,7 @@
           <a:p>
             <a:fld id="{D7AE8100-26E9-4F98-8942-C68DDE2438D8}" type="datetimeFigureOut">
               <a:rPr lang="en-AU" smtClean="0"/>
-              <a:t>19/6/2024</a:t>
+              <a:t>20/06/2024</a:t>
             </a:fld>
             <a:endParaRPr lang="en-AU"/>
           </a:p>
@@ -984,7 +1024,7 @@
           <p:cNvPr id="5" name="Footer Placeholder 4">
             <a:extLst>
               <a:ext uri="{FF2B5EF4-FFF2-40B4-BE49-F238E27FC236}">
-                <a16:creationId xmlns:a16="http://schemas.microsoft.com/office/drawing/2014/main" xmlns="" id="{EFC997B2-6204-329D-DFF3-E0D503C40D1A}"/>
+                <a16:creationId xmlns:a16="http://schemas.microsoft.com/office/drawing/2014/main" id="{EFC997B2-6204-329D-DFF3-E0D503C40D1A}"/>
               </a:ext>
             </a:extLst>
           </p:cNvPr>
@@ -1009,7 +1049,7 @@
           <p:cNvPr id="6" name="Slide Number Placeholder 5">
             <a:extLst>
               <a:ext uri="{FF2B5EF4-FFF2-40B4-BE49-F238E27FC236}">
-                <a16:creationId xmlns:a16="http://schemas.microsoft.com/office/drawing/2014/main" xmlns="" id="{BA4598A7-1C25-E561-444B-033DC0E6009D}"/>
+                <a16:creationId xmlns:a16="http://schemas.microsoft.com/office/drawing/2014/main" id="{BA4598A7-1C25-E561-444B-033DC0E6009D}"/>
               </a:ext>
             </a:extLst>
           </p:cNvPr>
@@ -1068,7 +1108,7 @@
           <p:cNvPr id="2" name="Title 1">
             <a:extLst>
               <a:ext uri="{FF2B5EF4-FFF2-40B4-BE49-F238E27FC236}">
-                <a16:creationId xmlns:a16="http://schemas.microsoft.com/office/drawing/2014/main" xmlns="" id="{BC9611E5-4EBB-088C-01D4-1DE3976FF113}"/>
+                <a16:creationId xmlns:a16="http://schemas.microsoft.com/office/drawing/2014/main" id="{BC9611E5-4EBB-088C-01D4-1DE3976FF113}"/>
               </a:ext>
             </a:extLst>
           </p:cNvPr>
@@ -1106,7 +1146,7 @@
           <p:cNvPr id="3" name="Text Placeholder 2">
             <a:extLst>
               <a:ext uri="{FF2B5EF4-FFF2-40B4-BE49-F238E27FC236}">
-                <a16:creationId xmlns:a16="http://schemas.microsoft.com/office/drawing/2014/main" xmlns="" id="{BEBEF700-AE58-8A00-51F9-E50F24B95AEC}"/>
+                <a16:creationId xmlns:a16="http://schemas.microsoft.com/office/drawing/2014/main" id="{BEBEF700-AE58-8A00-51F9-E50F24B95AEC}"/>
               </a:ext>
             </a:extLst>
           </p:cNvPr>
@@ -1231,7 +1271,7 @@
           <p:cNvPr id="4" name="Date Placeholder 3">
             <a:extLst>
               <a:ext uri="{FF2B5EF4-FFF2-40B4-BE49-F238E27FC236}">
-                <a16:creationId xmlns:a16="http://schemas.microsoft.com/office/drawing/2014/main" xmlns="" id="{748D62D4-D8FA-C648-32B4-85D983367373}"/>
+                <a16:creationId xmlns:a16="http://schemas.microsoft.com/office/drawing/2014/main" id="{748D62D4-D8FA-C648-32B4-85D983367373}"/>
               </a:ext>
             </a:extLst>
           </p:cNvPr>
@@ -1249,7 +1289,7 @@
           <a:p>
             <a:fld id="{D7AE8100-26E9-4F98-8942-C68DDE2438D8}" type="datetimeFigureOut">
               <a:rPr lang="en-AU" smtClean="0"/>
-              <a:t>19/6/2024</a:t>
+              <a:t>20/06/2024</a:t>
             </a:fld>
             <a:endParaRPr lang="en-AU"/>
           </a:p>
@@ -1260,7 +1300,7 @@
           <p:cNvPr id="5" name="Footer Placeholder 4">
             <a:extLst>
               <a:ext uri="{FF2B5EF4-FFF2-40B4-BE49-F238E27FC236}">
-                <a16:creationId xmlns:a16="http://schemas.microsoft.com/office/drawing/2014/main" xmlns="" id="{83D286D4-2D5F-0034-771F-14A91CABFEC4}"/>
+                <a16:creationId xmlns:a16="http://schemas.microsoft.com/office/drawing/2014/main" id="{83D286D4-2D5F-0034-771F-14A91CABFEC4}"/>
               </a:ext>
             </a:extLst>
           </p:cNvPr>
@@ -1285,7 +1325,7 @@
           <p:cNvPr id="6" name="Slide Number Placeholder 5">
             <a:extLst>
               <a:ext uri="{FF2B5EF4-FFF2-40B4-BE49-F238E27FC236}">
-                <a16:creationId xmlns:a16="http://schemas.microsoft.com/office/drawing/2014/main" xmlns="" id="{D95E6C4C-1401-B4CC-C4A5-6382DFF72401}"/>
+                <a16:creationId xmlns:a16="http://schemas.microsoft.com/office/drawing/2014/main" id="{D95E6C4C-1401-B4CC-C4A5-6382DFF72401}"/>
               </a:ext>
             </a:extLst>
           </p:cNvPr>
@@ -1344,7 +1384,7 @@
           <p:cNvPr id="2" name="Title 1">
             <a:extLst>
               <a:ext uri="{FF2B5EF4-FFF2-40B4-BE49-F238E27FC236}">
-                <a16:creationId xmlns:a16="http://schemas.microsoft.com/office/drawing/2014/main" xmlns="" id="{E16B1972-4DB9-4BDE-CD0B-9EA866A47DF2}"/>
+                <a16:creationId xmlns:a16="http://schemas.microsoft.com/office/drawing/2014/main" id="{E16B1972-4DB9-4BDE-CD0B-9EA866A47DF2}"/>
               </a:ext>
             </a:extLst>
           </p:cNvPr>
@@ -1373,7 +1413,7 @@
           <p:cNvPr id="3" name="Content Placeholder 2">
             <a:extLst>
               <a:ext uri="{FF2B5EF4-FFF2-40B4-BE49-F238E27FC236}">
-                <a16:creationId xmlns:a16="http://schemas.microsoft.com/office/drawing/2014/main" xmlns="" id="{83F10893-0324-5CA5-53D7-03683B5606A5}"/>
+                <a16:creationId xmlns:a16="http://schemas.microsoft.com/office/drawing/2014/main" id="{83F10893-0324-5CA5-53D7-03683B5606A5}"/>
               </a:ext>
             </a:extLst>
           </p:cNvPr>
@@ -1436,7 +1476,7 @@
           <p:cNvPr id="4" name="Content Placeholder 3">
             <a:extLst>
               <a:ext uri="{FF2B5EF4-FFF2-40B4-BE49-F238E27FC236}">
-                <a16:creationId xmlns:a16="http://schemas.microsoft.com/office/drawing/2014/main" xmlns="" id="{68500133-5AE0-1FD5-5922-66676C46954A}"/>
+                <a16:creationId xmlns:a16="http://schemas.microsoft.com/office/drawing/2014/main" id="{68500133-5AE0-1FD5-5922-66676C46954A}"/>
               </a:ext>
             </a:extLst>
           </p:cNvPr>
@@ -1499,7 +1539,7 @@
           <p:cNvPr id="5" name="Date Placeholder 4">
             <a:extLst>
               <a:ext uri="{FF2B5EF4-FFF2-40B4-BE49-F238E27FC236}">
-                <a16:creationId xmlns:a16="http://schemas.microsoft.com/office/drawing/2014/main" xmlns="" id="{27A2E104-E327-6299-B6C7-5BB15B03A21B}"/>
+                <a16:creationId xmlns:a16="http://schemas.microsoft.com/office/drawing/2014/main" id="{27A2E104-E327-6299-B6C7-5BB15B03A21B}"/>
               </a:ext>
             </a:extLst>
           </p:cNvPr>
@@ -1517,7 +1557,7 @@
           <a:p>
             <a:fld id="{D7AE8100-26E9-4F98-8942-C68DDE2438D8}" type="datetimeFigureOut">
               <a:rPr lang="en-AU" smtClean="0"/>
-              <a:t>19/6/2024</a:t>
+              <a:t>20/06/2024</a:t>
             </a:fld>
             <a:endParaRPr lang="en-AU"/>
           </a:p>
@@ -1528,7 +1568,7 @@
           <p:cNvPr id="6" name="Footer Placeholder 5">
             <a:extLst>
               <a:ext uri="{FF2B5EF4-FFF2-40B4-BE49-F238E27FC236}">
-                <a16:creationId xmlns:a16="http://schemas.microsoft.com/office/drawing/2014/main" xmlns="" id="{DB537D31-D907-64F1-B27E-405810BA3C1C}"/>
+                <a16:creationId xmlns:a16="http://schemas.microsoft.com/office/drawing/2014/main" id="{DB537D31-D907-64F1-B27E-405810BA3C1C}"/>
               </a:ext>
             </a:extLst>
           </p:cNvPr>
@@ -1553,7 +1593,7 @@
           <p:cNvPr id="7" name="Slide Number Placeholder 6">
             <a:extLst>
               <a:ext uri="{FF2B5EF4-FFF2-40B4-BE49-F238E27FC236}">
-                <a16:creationId xmlns:a16="http://schemas.microsoft.com/office/drawing/2014/main" xmlns="" id="{E60C958D-4336-7A8A-94F0-60BA5D443187}"/>
+                <a16:creationId xmlns:a16="http://schemas.microsoft.com/office/drawing/2014/main" id="{E60C958D-4336-7A8A-94F0-60BA5D443187}"/>
               </a:ext>
             </a:extLst>
           </p:cNvPr>
@@ -1612,7 +1652,7 @@
           <p:cNvPr id="2" name="Title 1">
             <a:extLst>
               <a:ext uri="{FF2B5EF4-FFF2-40B4-BE49-F238E27FC236}">
-                <a16:creationId xmlns:a16="http://schemas.microsoft.com/office/drawing/2014/main" xmlns="" id="{12E0FDFA-DB60-8014-28D4-CEAE07816A2F}"/>
+                <a16:creationId xmlns:a16="http://schemas.microsoft.com/office/drawing/2014/main" id="{12E0FDFA-DB60-8014-28D4-CEAE07816A2F}"/>
               </a:ext>
             </a:extLst>
           </p:cNvPr>
@@ -1646,7 +1686,7 @@
           <p:cNvPr id="3" name="Text Placeholder 2">
             <a:extLst>
               <a:ext uri="{FF2B5EF4-FFF2-40B4-BE49-F238E27FC236}">
-                <a16:creationId xmlns:a16="http://schemas.microsoft.com/office/drawing/2014/main" xmlns="" id="{E1E54F3F-5B44-8DB4-C06B-9487FE725AFD}"/>
+                <a16:creationId xmlns:a16="http://schemas.microsoft.com/office/drawing/2014/main" id="{E1E54F3F-5B44-8DB4-C06B-9487FE725AFD}"/>
               </a:ext>
             </a:extLst>
           </p:cNvPr>
@@ -1717,7 +1757,7 @@
           <p:cNvPr id="4" name="Content Placeholder 3">
             <a:extLst>
               <a:ext uri="{FF2B5EF4-FFF2-40B4-BE49-F238E27FC236}">
-                <a16:creationId xmlns:a16="http://schemas.microsoft.com/office/drawing/2014/main" xmlns="" id="{D13E4773-352A-E8AB-4D3C-5BD2A64F259A}"/>
+                <a16:creationId xmlns:a16="http://schemas.microsoft.com/office/drawing/2014/main" id="{D13E4773-352A-E8AB-4D3C-5BD2A64F259A}"/>
               </a:ext>
             </a:extLst>
           </p:cNvPr>
@@ -1780,7 +1820,7 @@
           <p:cNvPr id="5" name="Text Placeholder 4">
             <a:extLst>
               <a:ext uri="{FF2B5EF4-FFF2-40B4-BE49-F238E27FC236}">
-                <a16:creationId xmlns:a16="http://schemas.microsoft.com/office/drawing/2014/main" xmlns="" id="{F739FF83-0BFB-EF4F-A722-74E097B23E22}"/>
+                <a16:creationId xmlns:a16="http://schemas.microsoft.com/office/drawing/2014/main" id="{F739FF83-0BFB-EF4F-A722-74E097B23E22}"/>
               </a:ext>
             </a:extLst>
           </p:cNvPr>
@@ -1851,7 +1891,7 @@
           <p:cNvPr id="6" name="Content Placeholder 5">
             <a:extLst>
               <a:ext uri="{FF2B5EF4-FFF2-40B4-BE49-F238E27FC236}">
-                <a16:creationId xmlns:a16="http://schemas.microsoft.com/office/drawing/2014/main" xmlns="" id="{5E64B368-60A5-5224-EF2A-73BA58F7C4E1}"/>
+                <a16:creationId xmlns:a16="http://schemas.microsoft.com/office/drawing/2014/main" id="{5E64B368-60A5-5224-EF2A-73BA58F7C4E1}"/>
               </a:ext>
             </a:extLst>
           </p:cNvPr>
@@ -1914,7 +1954,7 @@
           <p:cNvPr id="7" name="Date Placeholder 6">
             <a:extLst>
               <a:ext uri="{FF2B5EF4-FFF2-40B4-BE49-F238E27FC236}">
-                <a16:creationId xmlns:a16="http://schemas.microsoft.com/office/drawing/2014/main" xmlns="" id="{F416187D-599E-CC70-2C8A-D69AA537A830}"/>
+                <a16:creationId xmlns:a16="http://schemas.microsoft.com/office/drawing/2014/main" id="{F416187D-599E-CC70-2C8A-D69AA537A830}"/>
               </a:ext>
             </a:extLst>
           </p:cNvPr>
@@ -1932,7 +1972,7 @@
           <a:p>
             <a:fld id="{D7AE8100-26E9-4F98-8942-C68DDE2438D8}" type="datetimeFigureOut">
               <a:rPr lang="en-AU" smtClean="0"/>
-              <a:t>19/6/2024</a:t>
+              <a:t>20/06/2024</a:t>
             </a:fld>
             <a:endParaRPr lang="en-AU"/>
           </a:p>
@@ -1943,7 +1983,7 @@
           <p:cNvPr id="8" name="Footer Placeholder 7">
             <a:extLst>
               <a:ext uri="{FF2B5EF4-FFF2-40B4-BE49-F238E27FC236}">
-                <a16:creationId xmlns:a16="http://schemas.microsoft.com/office/drawing/2014/main" xmlns="" id="{40CD4A5D-4EC8-2CDC-F25A-99C41B79037F}"/>
+                <a16:creationId xmlns:a16="http://schemas.microsoft.com/office/drawing/2014/main" id="{40CD4A5D-4EC8-2CDC-F25A-99C41B79037F}"/>
               </a:ext>
             </a:extLst>
           </p:cNvPr>
@@ -1968,7 +2008,7 @@
           <p:cNvPr id="9" name="Slide Number Placeholder 8">
             <a:extLst>
               <a:ext uri="{FF2B5EF4-FFF2-40B4-BE49-F238E27FC236}">
-                <a16:creationId xmlns:a16="http://schemas.microsoft.com/office/drawing/2014/main" xmlns="" id="{EABBC50D-B777-1A77-CD0A-053ACA42EB9C}"/>
+                <a16:creationId xmlns:a16="http://schemas.microsoft.com/office/drawing/2014/main" id="{EABBC50D-B777-1A77-CD0A-053ACA42EB9C}"/>
               </a:ext>
             </a:extLst>
           </p:cNvPr>
@@ -2027,7 +2067,7 @@
           <p:cNvPr id="2" name="Title 1">
             <a:extLst>
               <a:ext uri="{FF2B5EF4-FFF2-40B4-BE49-F238E27FC236}">
-                <a16:creationId xmlns:a16="http://schemas.microsoft.com/office/drawing/2014/main" xmlns="" id="{6A19D1D0-B211-779A-32FA-B564842E0B2D}"/>
+                <a16:creationId xmlns:a16="http://schemas.microsoft.com/office/drawing/2014/main" id="{6A19D1D0-B211-779A-32FA-B564842E0B2D}"/>
               </a:ext>
             </a:extLst>
           </p:cNvPr>
@@ -2056,7 +2096,7 @@
           <p:cNvPr id="3" name="Date Placeholder 2">
             <a:extLst>
               <a:ext uri="{FF2B5EF4-FFF2-40B4-BE49-F238E27FC236}">
-                <a16:creationId xmlns:a16="http://schemas.microsoft.com/office/drawing/2014/main" xmlns="" id="{CB057056-66FE-E9B5-D170-B41154FB0191}"/>
+                <a16:creationId xmlns:a16="http://schemas.microsoft.com/office/drawing/2014/main" id="{CB057056-66FE-E9B5-D170-B41154FB0191}"/>
               </a:ext>
             </a:extLst>
           </p:cNvPr>
@@ -2074,7 +2114,7 @@
           <a:p>
             <a:fld id="{D7AE8100-26E9-4F98-8942-C68DDE2438D8}" type="datetimeFigureOut">
               <a:rPr lang="en-AU" smtClean="0"/>
-              <a:t>19/6/2024</a:t>
+              <a:t>20/06/2024</a:t>
             </a:fld>
             <a:endParaRPr lang="en-AU"/>
           </a:p>
@@ -2085,7 +2125,7 @@
           <p:cNvPr id="4" name="Footer Placeholder 3">
             <a:extLst>
               <a:ext uri="{FF2B5EF4-FFF2-40B4-BE49-F238E27FC236}">
-                <a16:creationId xmlns:a16="http://schemas.microsoft.com/office/drawing/2014/main" xmlns="" id="{F1590A34-8296-C04A-481B-6DFA812DF083}"/>
+                <a16:creationId xmlns:a16="http://schemas.microsoft.com/office/drawing/2014/main" id="{F1590A34-8296-C04A-481B-6DFA812DF083}"/>
               </a:ext>
             </a:extLst>
           </p:cNvPr>
@@ -2110,7 +2150,7 @@
           <p:cNvPr id="5" name="Slide Number Placeholder 4">
             <a:extLst>
               <a:ext uri="{FF2B5EF4-FFF2-40B4-BE49-F238E27FC236}">
-                <a16:creationId xmlns:a16="http://schemas.microsoft.com/office/drawing/2014/main" xmlns="" id="{7F0106DC-8BC7-74DD-44FD-917C090449E5}"/>
+                <a16:creationId xmlns:a16="http://schemas.microsoft.com/office/drawing/2014/main" id="{7F0106DC-8BC7-74DD-44FD-917C090449E5}"/>
               </a:ext>
             </a:extLst>
           </p:cNvPr>
@@ -2169,7 +2209,7 @@
           <p:cNvPr id="2" name="Date Placeholder 1">
             <a:extLst>
               <a:ext uri="{FF2B5EF4-FFF2-40B4-BE49-F238E27FC236}">
-                <a16:creationId xmlns:a16="http://schemas.microsoft.com/office/drawing/2014/main" xmlns="" id="{80F1EC8F-0548-AA10-564F-9A0F8731D587}"/>
+                <a16:creationId xmlns:a16="http://schemas.microsoft.com/office/drawing/2014/main" id="{80F1EC8F-0548-AA10-564F-9A0F8731D587}"/>
               </a:ext>
             </a:extLst>
           </p:cNvPr>
@@ -2187,7 +2227,7 @@
           <a:p>
             <a:fld id="{D7AE8100-26E9-4F98-8942-C68DDE2438D8}" type="datetimeFigureOut">
               <a:rPr lang="en-AU" smtClean="0"/>
-              <a:t>19/6/2024</a:t>
+              <a:t>20/06/2024</a:t>
             </a:fld>
             <a:endParaRPr lang="en-AU"/>
           </a:p>
@@ -2198,7 +2238,7 @@
           <p:cNvPr id="3" name="Footer Placeholder 2">
             <a:extLst>
               <a:ext uri="{FF2B5EF4-FFF2-40B4-BE49-F238E27FC236}">
-                <a16:creationId xmlns:a16="http://schemas.microsoft.com/office/drawing/2014/main" xmlns="" id="{115FA7D8-C778-8DA6-D0C0-2B48C536546A}"/>
+                <a16:creationId xmlns:a16="http://schemas.microsoft.com/office/drawing/2014/main" id="{115FA7D8-C778-8DA6-D0C0-2B48C536546A}"/>
               </a:ext>
             </a:extLst>
           </p:cNvPr>
@@ -2223,7 +2263,7 @@
           <p:cNvPr id="4" name="Slide Number Placeholder 3">
             <a:extLst>
               <a:ext uri="{FF2B5EF4-FFF2-40B4-BE49-F238E27FC236}">
-                <a16:creationId xmlns:a16="http://schemas.microsoft.com/office/drawing/2014/main" xmlns="" id="{97B0B905-2BBE-8B56-4C77-92E904DEA8DC}"/>
+                <a16:creationId xmlns:a16="http://schemas.microsoft.com/office/drawing/2014/main" id="{97B0B905-2BBE-8B56-4C77-92E904DEA8DC}"/>
               </a:ext>
             </a:extLst>
           </p:cNvPr>
@@ -2282,7 +2322,7 @@
           <p:cNvPr id="2" name="Title 1">
             <a:extLst>
               <a:ext uri="{FF2B5EF4-FFF2-40B4-BE49-F238E27FC236}">
-                <a16:creationId xmlns:a16="http://schemas.microsoft.com/office/drawing/2014/main" xmlns="" id="{A80FFC18-6D7F-1659-0798-8DD893B8D38A}"/>
+                <a16:creationId xmlns:a16="http://schemas.microsoft.com/office/drawing/2014/main" id="{A80FFC18-6D7F-1659-0798-8DD893B8D38A}"/>
               </a:ext>
             </a:extLst>
           </p:cNvPr>
@@ -2320,7 +2360,7 @@
           <p:cNvPr id="3" name="Content Placeholder 2">
             <a:extLst>
               <a:ext uri="{FF2B5EF4-FFF2-40B4-BE49-F238E27FC236}">
-                <a16:creationId xmlns:a16="http://schemas.microsoft.com/office/drawing/2014/main" xmlns="" id="{7B21F860-A5CA-EC29-9D06-BFBEB6D52AB7}"/>
+                <a16:creationId xmlns:a16="http://schemas.microsoft.com/office/drawing/2014/main" id="{7B21F860-A5CA-EC29-9D06-BFBEB6D52AB7}"/>
               </a:ext>
             </a:extLst>
           </p:cNvPr>
@@ -2411,7 +2451,7 @@
           <p:cNvPr id="4" name="Text Placeholder 3">
             <a:extLst>
               <a:ext uri="{FF2B5EF4-FFF2-40B4-BE49-F238E27FC236}">
-                <a16:creationId xmlns:a16="http://schemas.microsoft.com/office/drawing/2014/main" xmlns="" id="{31DC8CC1-3B98-2FBE-0984-D1FFBE540F1E}"/>
+                <a16:creationId xmlns:a16="http://schemas.microsoft.com/office/drawing/2014/main" id="{31DC8CC1-3B98-2FBE-0984-D1FFBE540F1E}"/>
               </a:ext>
             </a:extLst>
           </p:cNvPr>
@@ -2482,7 +2522,7 @@
           <p:cNvPr id="5" name="Date Placeholder 4">
             <a:extLst>
               <a:ext uri="{FF2B5EF4-FFF2-40B4-BE49-F238E27FC236}">
-                <a16:creationId xmlns:a16="http://schemas.microsoft.com/office/drawing/2014/main" xmlns="" id="{DE044D85-40FE-EB57-8FC9-38265AFC3023}"/>
+                <a16:creationId xmlns:a16="http://schemas.microsoft.com/office/drawing/2014/main" id="{DE044D85-40FE-EB57-8FC9-38265AFC3023}"/>
               </a:ext>
             </a:extLst>
           </p:cNvPr>
@@ -2500,7 +2540,7 @@
           <a:p>
             <a:fld id="{D7AE8100-26E9-4F98-8942-C68DDE2438D8}" type="datetimeFigureOut">
               <a:rPr lang="en-AU" smtClean="0"/>
-              <a:t>19/6/2024</a:t>
+              <a:t>20/06/2024</a:t>
             </a:fld>
             <a:endParaRPr lang="en-AU"/>
           </a:p>
@@ -2511,7 +2551,7 @@
           <p:cNvPr id="6" name="Footer Placeholder 5">
             <a:extLst>
               <a:ext uri="{FF2B5EF4-FFF2-40B4-BE49-F238E27FC236}">
-                <a16:creationId xmlns:a16="http://schemas.microsoft.com/office/drawing/2014/main" xmlns="" id="{59446CD9-B95C-C2F5-C9E2-4FFD8E2278D0}"/>
+                <a16:creationId xmlns:a16="http://schemas.microsoft.com/office/drawing/2014/main" id="{59446CD9-B95C-C2F5-C9E2-4FFD8E2278D0}"/>
               </a:ext>
             </a:extLst>
           </p:cNvPr>
@@ -2536,7 +2576,7 @@
           <p:cNvPr id="7" name="Slide Number Placeholder 6">
             <a:extLst>
               <a:ext uri="{FF2B5EF4-FFF2-40B4-BE49-F238E27FC236}">
-                <a16:creationId xmlns:a16="http://schemas.microsoft.com/office/drawing/2014/main" xmlns="" id="{CC09F9F3-1ED5-3288-8D09-6C31682258DA}"/>
+                <a16:creationId xmlns:a16="http://schemas.microsoft.com/office/drawing/2014/main" id="{CC09F9F3-1ED5-3288-8D09-6C31682258DA}"/>
               </a:ext>
             </a:extLst>
           </p:cNvPr>
@@ -2595,7 +2635,7 @@
           <p:cNvPr id="2" name="Title 1">
             <a:extLst>
               <a:ext uri="{FF2B5EF4-FFF2-40B4-BE49-F238E27FC236}">
-                <a16:creationId xmlns:a16="http://schemas.microsoft.com/office/drawing/2014/main" xmlns="" id="{C21357DD-5BFA-EB12-9097-47D9475A959E}"/>
+                <a16:creationId xmlns:a16="http://schemas.microsoft.com/office/drawing/2014/main" id="{C21357DD-5BFA-EB12-9097-47D9475A959E}"/>
               </a:ext>
             </a:extLst>
           </p:cNvPr>
@@ -2633,7 +2673,7 @@
           <p:cNvPr id="3" name="Picture Placeholder 2">
             <a:extLst>
               <a:ext uri="{FF2B5EF4-FFF2-40B4-BE49-F238E27FC236}">
-                <a16:creationId xmlns:a16="http://schemas.microsoft.com/office/drawing/2014/main" xmlns="" id="{FABF241D-B8D1-B347-2202-29EEA9BBCC7C}"/>
+                <a16:creationId xmlns:a16="http://schemas.microsoft.com/office/drawing/2014/main" id="{FABF241D-B8D1-B347-2202-29EEA9BBCC7C}"/>
               </a:ext>
             </a:extLst>
           </p:cNvPr>
@@ -2700,7 +2740,7 @@
           <p:cNvPr id="4" name="Text Placeholder 3">
             <a:extLst>
               <a:ext uri="{FF2B5EF4-FFF2-40B4-BE49-F238E27FC236}">
-                <a16:creationId xmlns:a16="http://schemas.microsoft.com/office/drawing/2014/main" xmlns="" id="{37F90FB9-52AA-3E5E-83EC-D702B467A1E9}"/>
+                <a16:creationId xmlns:a16="http://schemas.microsoft.com/office/drawing/2014/main" id="{37F90FB9-52AA-3E5E-83EC-D702B467A1E9}"/>
               </a:ext>
             </a:extLst>
           </p:cNvPr>
@@ -2771,7 +2811,7 @@
           <p:cNvPr id="5" name="Date Placeholder 4">
             <a:extLst>
               <a:ext uri="{FF2B5EF4-FFF2-40B4-BE49-F238E27FC236}">
-                <a16:creationId xmlns:a16="http://schemas.microsoft.com/office/drawing/2014/main" xmlns="" id="{2F401B7E-7FBD-C08B-EA06-D1A0BE94B4E8}"/>
+                <a16:creationId xmlns:a16="http://schemas.microsoft.com/office/drawing/2014/main" id="{2F401B7E-7FBD-C08B-EA06-D1A0BE94B4E8}"/>
               </a:ext>
             </a:extLst>
           </p:cNvPr>
@@ -2789,7 +2829,7 @@
           <a:p>
             <a:fld id="{D7AE8100-26E9-4F98-8942-C68DDE2438D8}" type="datetimeFigureOut">
               <a:rPr lang="en-AU" smtClean="0"/>
-              <a:t>19/6/2024</a:t>
+              <a:t>20/06/2024</a:t>
             </a:fld>
             <a:endParaRPr lang="en-AU"/>
           </a:p>
@@ -2800,7 +2840,7 @@
           <p:cNvPr id="6" name="Footer Placeholder 5">
             <a:extLst>
               <a:ext uri="{FF2B5EF4-FFF2-40B4-BE49-F238E27FC236}">
-                <a16:creationId xmlns:a16="http://schemas.microsoft.com/office/drawing/2014/main" xmlns="" id="{0FB3AE7A-E8CF-1143-1E8C-280C2A0A23E5}"/>
+                <a16:creationId xmlns:a16="http://schemas.microsoft.com/office/drawing/2014/main" id="{0FB3AE7A-E8CF-1143-1E8C-280C2A0A23E5}"/>
               </a:ext>
             </a:extLst>
           </p:cNvPr>
@@ -2825,7 +2865,7 @@
           <p:cNvPr id="7" name="Slide Number Placeholder 6">
             <a:extLst>
               <a:ext uri="{FF2B5EF4-FFF2-40B4-BE49-F238E27FC236}">
-                <a16:creationId xmlns:a16="http://schemas.microsoft.com/office/drawing/2014/main" xmlns="" id="{2D2625BE-C0A6-2F77-FBF5-46861A602096}"/>
+                <a16:creationId xmlns:a16="http://schemas.microsoft.com/office/drawing/2014/main" id="{2D2625BE-C0A6-2F77-FBF5-46861A602096}"/>
               </a:ext>
             </a:extLst>
           </p:cNvPr>
@@ -2889,7 +2929,7 @@
           <p:cNvPr id="2" name="Title Placeholder 1">
             <a:extLst>
               <a:ext uri="{FF2B5EF4-FFF2-40B4-BE49-F238E27FC236}">
-                <a16:creationId xmlns:a16="http://schemas.microsoft.com/office/drawing/2014/main" xmlns="" id="{075BC7A9-E4BE-0AA9-E78B-33CCDDFFEC65}"/>
+                <a16:creationId xmlns:a16="http://schemas.microsoft.com/office/drawing/2014/main" id="{075BC7A9-E4BE-0AA9-E78B-33CCDDFFEC65}"/>
               </a:ext>
             </a:extLst>
           </p:cNvPr>
@@ -2928,7 +2968,7 @@
           <p:cNvPr id="3" name="Text Placeholder 2">
             <a:extLst>
               <a:ext uri="{FF2B5EF4-FFF2-40B4-BE49-F238E27FC236}">
-                <a16:creationId xmlns:a16="http://schemas.microsoft.com/office/drawing/2014/main" xmlns="" id="{7CB580FD-5645-8DAB-AC53-BAE990D19B30}"/>
+                <a16:creationId xmlns:a16="http://schemas.microsoft.com/office/drawing/2014/main" id="{7CB580FD-5645-8DAB-AC53-BAE990D19B30}"/>
               </a:ext>
             </a:extLst>
           </p:cNvPr>
@@ -2996,7 +3036,7 @@
           <p:cNvPr id="4" name="Date Placeholder 3">
             <a:extLst>
               <a:ext uri="{FF2B5EF4-FFF2-40B4-BE49-F238E27FC236}">
-                <a16:creationId xmlns:a16="http://schemas.microsoft.com/office/drawing/2014/main" xmlns="" id="{634310B5-D51B-372D-4CDA-449F92B159D2}"/>
+                <a16:creationId xmlns:a16="http://schemas.microsoft.com/office/drawing/2014/main" id="{634310B5-D51B-372D-4CDA-449F92B159D2}"/>
               </a:ext>
             </a:extLst>
           </p:cNvPr>
@@ -3032,7 +3072,7 @@
           <a:p>
             <a:fld id="{D7AE8100-26E9-4F98-8942-C68DDE2438D8}" type="datetimeFigureOut">
               <a:rPr lang="en-AU" smtClean="0"/>
-              <a:t>19/6/2024</a:t>
+              <a:t>20/06/2024</a:t>
             </a:fld>
             <a:endParaRPr lang="en-AU"/>
           </a:p>
@@ -3043,7 +3083,7 @@
           <p:cNvPr id="5" name="Footer Placeholder 4">
             <a:extLst>
               <a:ext uri="{FF2B5EF4-FFF2-40B4-BE49-F238E27FC236}">
-                <a16:creationId xmlns:a16="http://schemas.microsoft.com/office/drawing/2014/main" xmlns="" id="{1452CFD6-85C7-1B3F-368F-BD0AD3F6E5E0}"/>
+                <a16:creationId xmlns:a16="http://schemas.microsoft.com/office/drawing/2014/main" id="{1452CFD6-85C7-1B3F-368F-BD0AD3F6E5E0}"/>
               </a:ext>
             </a:extLst>
           </p:cNvPr>
@@ -3086,7 +3126,7 @@
           <p:cNvPr id="6" name="Slide Number Placeholder 5">
             <a:extLst>
               <a:ext uri="{FF2B5EF4-FFF2-40B4-BE49-F238E27FC236}">
-                <a16:creationId xmlns:a16="http://schemas.microsoft.com/office/drawing/2014/main" xmlns="" id="{AB9F3470-E73D-A958-6A80-2355B8863359}"/>
+                <a16:creationId xmlns:a16="http://schemas.microsoft.com/office/drawing/2014/main" id="{AB9F3470-E73D-A958-6A80-2355B8863359}"/>
               </a:ext>
             </a:extLst>
           </p:cNvPr>
@@ -3454,7 +3494,7 @@
           <p:cNvPr id="5" name="Picture 4" descr="A computer with pages coming out of it&#10;&#10;Description automatically generated">
             <a:extLst>
               <a:ext uri="{FF2B5EF4-FFF2-40B4-BE49-F238E27FC236}">
-                <a16:creationId xmlns:a16="http://schemas.microsoft.com/office/drawing/2014/main" xmlns="" id="{47A6575F-0FB6-B0AA-00DE-B8B7C37E24D0}"/>
+                <a16:creationId xmlns:a16="http://schemas.microsoft.com/office/drawing/2014/main" id="{47A6575F-0FB6-B0AA-00DE-B8B7C37E24D0}"/>
               </a:ext>
             </a:extLst>
           </p:cNvPr>
@@ -3491,7 +3531,7 @@
           <p:cNvPr id="2" name="Title 1">
             <a:extLst>
               <a:ext uri="{FF2B5EF4-FFF2-40B4-BE49-F238E27FC236}">
-                <a16:creationId xmlns:a16="http://schemas.microsoft.com/office/drawing/2014/main" xmlns="" id="{129D8C8A-1D8C-674A-A660-F6EA2606934E}"/>
+                <a16:creationId xmlns:a16="http://schemas.microsoft.com/office/drawing/2014/main" id="{129D8C8A-1D8C-674A-A660-F6EA2606934E}"/>
               </a:ext>
             </a:extLst>
           </p:cNvPr>
@@ -3504,8 +3544,8 @@
         </p:nvSpPr>
         <p:spPr>
           <a:xfrm>
-            <a:off x="185530" y="979056"/>
-            <a:ext cx="11820940" cy="4396509"/>
+            <a:off x="185530" y="979057"/>
+            <a:ext cx="11820940" cy="3745344"/>
           </a:xfrm>
         </p:spPr>
         <p:txBody>
@@ -3518,17 +3558,9 @@
               <a:rPr lang="en-AU" sz="4000" dirty="0"/>
               <a:t>Book Launch</a:t>
             </a:r>
-            <a:r>
-              <a:rPr lang="en-AU" sz="3600" dirty="0"/>
-              <a:t/>
-            </a:r>
             <a:br>
               <a:rPr lang="en-AU" sz="3600" dirty="0"/>
             </a:br>
-            <a:r>
-              <a:rPr lang="en-AU" sz="3600" dirty="0"/>
-              <a:t/>
-            </a:r>
             <a:br>
               <a:rPr lang="en-AU" sz="3600" dirty="0"/>
             </a:br>
@@ -3550,31 +3582,16 @@
             <a:br>
               <a:rPr lang="en-AU" sz="4000" dirty="0"/>
             </a:br>
-            <a:r>
-              <a:rPr lang="en-AU" sz="3200" dirty="0"/>
-              <a:t>(Studies in Honour of John Kirk)</a:t>
-            </a:r>
             <a:br>
               <a:rPr lang="en-AU" sz="3200" dirty="0"/>
             </a:br>
             <a:r>
-              <a:rPr lang="en-AU" sz="3200" dirty="0"/>
-              <a:t/>
-            </a:r>
-            <a:br>
-              <a:rPr lang="en-AU" sz="3200" dirty="0"/>
-            </a:br>
-            <a:r>
               <a:rPr lang="en-AU" sz="3200" dirty="0" err="1"/>
               <a:t>DeGruyter</a:t>
             </a:r>
             <a:r>
               <a:rPr lang="en-AU" sz="3200" dirty="0"/>
               <a:t> (September 2024)</a:t>
-            </a:r>
-            <a:r>
-              <a:rPr lang="en-AU" sz="3600" dirty="0"/>
-              <a:t/>
             </a:r>
             <a:br>
               <a:rPr lang="en-AU" sz="3600" dirty="0"/>
@@ -3622,7 +3639,7 @@
           <p:cNvPr id="5" name="Picture 4">
             <a:extLst>
               <a:ext uri="{FF2B5EF4-FFF2-40B4-BE49-F238E27FC236}">
-                <a16:creationId xmlns:a16="http://schemas.microsoft.com/office/drawing/2014/main" xmlns="" id="{8FB23367-482D-B42D-0C32-2E89BAFCE01D}"/>
+                <a16:creationId xmlns:a16="http://schemas.microsoft.com/office/drawing/2014/main" id="{8FB23367-482D-B42D-0C32-2E89BAFCE01D}"/>
               </a:ext>
             </a:extLst>
           </p:cNvPr>
@@ -3649,12 +3666,65 @@
           </a:prstGeom>
         </p:spPr>
       </p:pic>
+      <p:sp>
+        <p:nvSpPr>
+          <p:cNvPr id="7" name="TextBox 6">
+            <a:extLst>
+              <a:ext uri="{FF2B5EF4-FFF2-40B4-BE49-F238E27FC236}">
+                <a16:creationId xmlns:a16="http://schemas.microsoft.com/office/drawing/2014/main" id="{CCC0866D-8F11-8508-E834-7B483AC83851}"/>
+              </a:ext>
+            </a:extLst>
+          </p:cNvPr>
+          <p:cNvSpPr txBox="1"/>
+          <p:nvPr/>
+        </p:nvSpPr>
+        <p:spPr>
+          <a:xfrm>
+            <a:off x="6096000" y="815617"/>
+            <a:ext cx="5800436" cy="5324535"/>
+          </a:xfrm>
+          <a:prstGeom prst="rect">
+            <a:avLst/>
+          </a:prstGeom>
+          <a:noFill/>
+        </p:spPr>
+        <p:txBody>
+          <a:bodyPr wrap="square" rtlCol="0">
+            <a:spAutoFit/>
+          </a:bodyPr>
+          <a:lstStyle/>
+          <a:p>
+            <a:r>
+              <a:rPr lang="en-AU" sz="2000" dirty="0"/>
+              <a:t>John Kirk is a true first-generation corpus linguist and a founding participant of ICAME. He was born in Falkirk, Scotland, in 1952 and spent the majority of his career at Queen’s University Belfast (1983 to 2013) before becoming Professor at the University of Vienna. He has also been active as a visiting scholar around the world.</a:t>
+            </a:r>
+          </a:p>
+          <a:p>
+            <a:endParaRPr lang="en-AU" sz="2000" dirty="0"/>
+          </a:p>
+          <a:p>
+            <a:r>
+              <a:rPr lang="en-AU" sz="2000" dirty="0"/>
+              <a:t>John has been instrumental to corpus linguistics through the various corpus resources he has (co-) compiled, such as ICE-Ireland, SPICE-Ireland, the Digital Lexical Atlas of Scotland, or the International Comparable Corpus (ICC). </a:t>
+            </a:r>
+          </a:p>
+          <a:p>
+            <a:endParaRPr lang="en-AU" sz="2000" dirty="0"/>
+          </a:p>
+          <a:p>
+            <a:r>
+              <a:rPr lang="en-AU" sz="2000" dirty="0"/>
+              <a:t>John stands out as a warm, welcoming, supportive, and incredibly productive member of our community.</a:t>
+            </a:r>
+          </a:p>
+        </p:txBody>
+      </p:sp>
       <p:pic>
         <p:nvPicPr>
-          <p:cNvPr id="6" name="Picture 5" descr="A person in a blue sweater&#10;&#10;Description automatically generated">
-            <a:extLst>
-              <a:ext uri="{FF2B5EF4-FFF2-40B4-BE49-F238E27FC236}">
-                <a16:creationId xmlns:a16="http://schemas.microsoft.com/office/drawing/2014/main" xmlns="" id="{5A72DEB0-1AD3-86B0-287F-0AA8078FD375}"/>
+          <p:cNvPr id="3" name="Picture 2" descr="A person in a blue sweater&#10;&#10;Description automatically generated">
+            <a:extLst>
+              <a:ext uri="{FF2B5EF4-FFF2-40B4-BE49-F238E27FC236}">
+                <a16:creationId xmlns:a16="http://schemas.microsoft.com/office/drawing/2014/main" id="{CB2CE881-B8DB-82CB-1A62-E736C0F27EFB}"/>
               </a:ext>
             </a:extLst>
           </p:cNvPr>
@@ -3677,66 +3747,14 @@
         </p:blipFill>
         <p:spPr>
           <a:xfrm>
-            <a:off x="427744" y="799374"/>
-            <a:ext cx="5270121" cy="5270121"/>
+            <a:off x="427745" y="815617"/>
+            <a:ext cx="5187964" cy="5187964"/>
           </a:xfrm>
           <a:prstGeom prst="rect">
             <a:avLst/>
           </a:prstGeom>
         </p:spPr>
       </p:pic>
-      <p:sp>
-        <p:nvSpPr>
-          <p:cNvPr id="7" name="TextBox 6">
-            <a:extLst>
-              <a:ext uri="{FF2B5EF4-FFF2-40B4-BE49-F238E27FC236}">
-                <a16:creationId xmlns:a16="http://schemas.microsoft.com/office/drawing/2014/main" xmlns="" id="{CCC0866D-8F11-8508-E834-7B483AC83851}"/>
-              </a:ext>
-            </a:extLst>
-          </p:cNvPr>
-          <p:cNvSpPr txBox="1"/>
-          <p:nvPr/>
-        </p:nvSpPr>
-        <p:spPr>
-          <a:xfrm>
-            <a:off x="6317674" y="815617"/>
-            <a:ext cx="5578762" cy="4708981"/>
-          </a:xfrm>
-          <a:prstGeom prst="rect">
-            <a:avLst/>
-          </a:prstGeom>
-          <a:noFill/>
-        </p:spPr>
-        <p:txBody>
-          <a:bodyPr wrap="square" rtlCol="0">
-            <a:spAutoFit/>
-          </a:bodyPr>
-          <a:lstStyle/>
-          <a:p>
-            <a:r>
-              <a:rPr lang="en-AU" sz="2000" dirty="0"/>
-              <a:t>John Kirk is a true first-generation corpus linguist and a founding participant of ICAME. He was born in Falkirk, Scotland, in 1952 and spent the majority of his career at Queen’s University Belfast (1983 to 2013) before </a:t>
-            </a:r>
-            <a:r>
-              <a:rPr lang="en-AU" sz="2000" dirty="0" smtClean="0"/>
-              <a:t>becoming Professor at </a:t>
-            </a:r>
-            <a:r>
-              <a:rPr lang="en-AU" sz="2000" dirty="0"/>
-              <a:t>the University of Vienna. He has also been active as a visiting scholar around the world.</a:t>
-            </a:r>
-          </a:p>
-          <a:p>
-            <a:endParaRPr lang="en-AU" sz="2000" dirty="0"/>
-          </a:p>
-          <a:p>
-            <a:r>
-              <a:rPr lang="en-AU" sz="2000" dirty="0"/>
-              <a:t>John has been instrumental to corpus linguistics through the various corpus resources he has (co-)compiled, such as ICE-Ireland, SPICE-Ireland, the Digital Lexical Atlas of Scotland, and the International Comparable Corpus (ICC). John stands out as a warm, welcoming, supportive, and incredibly productive member of our community.</a:t>
-            </a:r>
-          </a:p>
-        </p:txBody>
-      </p:sp>
     </p:spTree>
     <p:extLst>
       <p:ext uri="{BB962C8B-B14F-4D97-AF65-F5344CB8AC3E}">
@@ -3772,7 +3790,7 @@
           <p:cNvPr id="5" name="Picture 4">
             <a:extLst>
               <a:ext uri="{FF2B5EF4-FFF2-40B4-BE49-F238E27FC236}">
-                <a16:creationId xmlns:a16="http://schemas.microsoft.com/office/drawing/2014/main" xmlns="" id="{8FB23367-482D-B42D-0C32-2E89BAFCE01D}"/>
+                <a16:creationId xmlns:a16="http://schemas.microsoft.com/office/drawing/2014/main" id="{8FB23367-482D-B42D-0C32-2E89BAFCE01D}"/>
               </a:ext>
             </a:extLst>
           </p:cNvPr>
@@ -3832,7 +3850,7 @@
           <p:cNvPr id="5" name="Picture 4">
             <a:extLst>
               <a:ext uri="{FF2B5EF4-FFF2-40B4-BE49-F238E27FC236}">
-                <a16:creationId xmlns:a16="http://schemas.microsoft.com/office/drawing/2014/main" xmlns="" id="{8FB23367-482D-B42D-0C32-2E89BAFCE01D}"/>
+                <a16:creationId xmlns:a16="http://schemas.microsoft.com/office/drawing/2014/main" id="{8FB23367-482D-B42D-0C32-2E89BAFCE01D}"/>
               </a:ext>
             </a:extLst>
           </p:cNvPr>
@@ -3864,7 +3882,7 @@
           <p:cNvPr id="3" name="Picture 2">
             <a:extLst>
               <a:ext uri="{FF2B5EF4-FFF2-40B4-BE49-F238E27FC236}">
-                <a16:creationId xmlns:a16="http://schemas.microsoft.com/office/drawing/2014/main" xmlns="" id="{569E767E-B401-D8F3-2353-55A879B11C93}"/>
+                <a16:creationId xmlns:a16="http://schemas.microsoft.com/office/drawing/2014/main" id="{569E767E-B401-D8F3-2353-55A879B11C93}"/>
               </a:ext>
             </a:extLst>
           </p:cNvPr>
@@ -3894,7 +3912,7 @@
           <p:cNvPr id="8" name="Picture 7">
             <a:extLst>
               <a:ext uri="{FF2B5EF4-FFF2-40B4-BE49-F238E27FC236}">
-                <a16:creationId xmlns:a16="http://schemas.microsoft.com/office/drawing/2014/main" xmlns="" id="{303EEB8D-CC9F-2D3B-2C65-847670B3D17F}"/>
+                <a16:creationId xmlns:a16="http://schemas.microsoft.com/office/drawing/2014/main" id="{303EEB8D-CC9F-2D3B-2C65-847670B3D17F}"/>
               </a:ext>
             </a:extLst>
           </p:cNvPr>
